--- a/prezi.pptx
+++ b/prezi.pptx
@@ -5,10 +5,10 @@
     <p:sldMasterId id="2147483705" r:id="rId1"/>
   </p:sldMasterIdLst>
   <p:notesMasterIdLst>
-    <p:notesMasterId r:id="rId10"/>
+    <p:notesMasterId r:id="rId13"/>
   </p:notesMasterIdLst>
   <p:handoutMasterIdLst>
-    <p:handoutMasterId r:id="rId11"/>
+    <p:handoutMasterId r:id="rId14"/>
   </p:handoutMasterIdLst>
   <p:sldIdLst>
     <p:sldId id="259" r:id="rId2"/>
@@ -19,6 +19,9 @@
     <p:sldId id="263" r:id="rId7"/>
     <p:sldId id="265" r:id="rId8"/>
     <p:sldId id="264" r:id="rId9"/>
+    <p:sldId id="267" r:id="rId10"/>
+    <p:sldId id="269" r:id="rId11"/>
+    <p:sldId id="268" r:id="rId12"/>
   </p:sldIdLst>
   <p:sldSz cx="12192000" cy="6858000"/>
   <p:notesSz cx="6858000" cy="9144000"/>
@@ -212,7 +215,7 @@
             <a:pPr rtl="0"/>
             <a:fld id="{79328C74-2DD9-4CFD-934B-3DF3C1DDE5FC}" type="datetime1">
               <a:rPr lang="hu-HU" smtClean="0"/>
-              <a:t>2022. 10. 11.</a:t>
+              <a:t>2022. 10. 25.</a:t>
             </a:fld>
             <a:endParaRPr lang="en-US" dirty="0"/>
           </a:p>
@@ -382,7 +385,7 @@
             <a:pPr rtl="0"/>
             <a:fld id="{41F517D8-72C6-4C72-9062-09CA35D1D6EA}" type="datetime1">
               <a:rPr lang="hu-HU" smtClean="0"/>
-              <a:t>2022. 10. 11.</a:t>
+              <a:t>2022. 10. 25.</a:t>
             </a:fld>
             <a:endParaRPr lang="en-US"/>
           </a:p>
@@ -843,7 +846,7 @@
             <a:pPr rtl="0"/>
             <a:fld id="{8D06F676-C664-4C85-930F-9B6130AE0859}" type="datetime1">
               <a:rPr lang="hu-HU" smtClean="0"/>
-              <a:t>2022. 10. 11.</a:t>
+              <a:t>2022. 10. 25.</a:t>
             </a:fld>
             <a:endParaRPr lang="en-US" dirty="0"/>
           </a:p>
@@ -1153,7 +1156,7 @@
             <a:pPr rtl="0"/>
             <a:fld id="{DFA9AE65-3357-474A-9E41-D5D48A22CB46}" type="datetime1">
               <a:rPr lang="hu-HU" smtClean="0"/>
-              <a:t>2022. 10. 11.</a:t>
+              <a:t>2022. 10. 25.</a:t>
             </a:fld>
             <a:endParaRPr lang="en-US" dirty="0"/>
           </a:p>
@@ -1351,7 +1354,7 @@
             <a:pPr rtl="0"/>
             <a:fld id="{15DEE93C-3C2D-4E26-B2EB-AA9505384E6D}" type="datetime1">
               <a:rPr lang="hu-HU" smtClean="0"/>
-              <a:t>2022. 10. 11.</a:t>
+              <a:t>2022. 10. 25.</a:t>
             </a:fld>
             <a:endParaRPr lang="en-US" dirty="0"/>
           </a:p>
@@ -1618,7 +1621,7 @@
             <a:pPr rtl="0"/>
             <a:fld id="{90F0F59D-97DE-494E-8C3C-171907D39773}" type="datetime1">
               <a:rPr lang="hu-HU" smtClean="0"/>
-              <a:t>2022. 10. 11.</a:t>
+              <a:t>2022. 10. 25.</a:t>
             </a:fld>
             <a:endParaRPr lang="en-US" dirty="0"/>
           </a:p>
@@ -2058,7 +2061,7 @@
             <a:pPr rtl="0"/>
             <a:fld id="{7A0696A8-D711-4B65-A653-8621AA7D08B1}" type="datetime1">
               <a:rPr lang="hu-HU" smtClean="0"/>
-              <a:t>2022. 10. 11.</a:t>
+              <a:t>2022. 10. 25.</a:t>
             </a:fld>
             <a:endParaRPr lang="en-US" dirty="0"/>
           </a:p>
@@ -2599,7 +2602,7 @@
             <a:pPr rtl="0"/>
             <a:fld id="{8AA05328-906A-4574-A2A4-9142E7EEB0D7}" type="datetime1">
               <a:rPr lang="hu-HU" smtClean="0"/>
-              <a:t>2022. 10. 11.</a:t>
+              <a:t>2022. 10. 25.</a:t>
             </a:fld>
             <a:endParaRPr lang="en-US" dirty="0"/>
           </a:p>
@@ -3488,7 +3491,7 @@
             <a:pPr rtl="0"/>
             <a:fld id="{59A40F4B-C8A7-474B-9E07-0763335F9A9B}" type="datetime1">
               <a:rPr lang="hu-HU" smtClean="0"/>
-              <a:t>2022. 10. 11.</a:t>
+              <a:t>2022. 10. 25.</a:t>
             </a:fld>
             <a:endParaRPr lang="en-US" dirty="0"/>
           </a:p>
@@ -3662,7 +3665,7 @@
             <a:pPr rtl="0"/>
             <a:fld id="{5D886BA4-B095-4091-9B3B-1AE5660185AF}" type="datetime1">
               <a:rPr lang="hu-HU" smtClean="0"/>
-              <a:t>2022. 10. 11.</a:t>
+              <a:t>2022. 10. 25.</a:t>
             </a:fld>
             <a:endParaRPr lang="en-US" dirty="0"/>
           </a:p>
@@ -3850,7 +3853,7 @@
             <a:pPr rtl="0"/>
             <a:fld id="{31F4D693-9A33-46B5-8483-A655726D1E81}" type="datetime1">
               <a:rPr lang="hu-HU" smtClean="0"/>
-              <a:t>2022. 10. 11.</a:t>
+              <a:t>2022. 10. 25.</a:t>
             </a:fld>
             <a:endParaRPr lang="en-US" dirty="0"/>
           </a:p>
@@ -4024,7 +4027,7 @@
             <a:pPr rtl="0"/>
             <a:fld id="{CB4931A8-8288-4238-AF14-026187036AFD}" type="datetime1">
               <a:rPr lang="hu-HU" smtClean="0"/>
-              <a:t>2022. 10. 11.</a:t>
+              <a:t>2022. 10. 25.</a:t>
             </a:fld>
             <a:endParaRPr lang="en-US" dirty="0"/>
           </a:p>
@@ -4272,7 +4275,7 @@
             <a:pPr rtl="0"/>
             <a:fld id="{2E65F545-0511-4EE3-B36D-0AAF15A22616}" type="datetime1">
               <a:rPr lang="hu-HU" smtClean="0"/>
-              <a:t>2022. 10. 11.</a:t>
+              <a:t>2022. 10. 25.</a:t>
             </a:fld>
             <a:endParaRPr lang="en-US" dirty="0"/>
           </a:p>
@@ -4518,7 +4521,7 @@
             <a:pPr rtl="0"/>
             <a:fld id="{B817C899-C8BD-4743-9041-F9570303B9CC}" type="datetime1">
               <a:rPr lang="hu-HU" smtClean="0"/>
-              <a:t>2022. 10. 11.</a:t>
+              <a:t>2022. 10. 25.</a:t>
             </a:fld>
             <a:endParaRPr lang="en-US" dirty="0"/>
           </a:p>
@@ -5005,7 +5008,7 @@
             <a:pPr rtl="0"/>
             <a:fld id="{3E135D0D-8851-4427-86DA-5BF8C4C38E92}" type="datetime1">
               <a:rPr lang="hu-HU" smtClean="0"/>
-              <a:t>2022. 10. 11.</a:t>
+              <a:t>2022. 10. 25.</a:t>
             </a:fld>
             <a:endParaRPr lang="en-US" dirty="0"/>
           </a:p>
@@ -5127,7 +5130,7 @@
             <a:pPr rtl="0"/>
             <a:fld id="{1672C471-15B7-4E03-99B1-DD7965475934}" type="datetime1">
               <a:rPr lang="hu-HU" smtClean="0"/>
-              <a:t>2022. 10. 11.</a:t>
+              <a:t>2022. 10. 25.</a:t>
             </a:fld>
             <a:endParaRPr lang="en-US" dirty="0"/>
           </a:p>
@@ -5225,7 +5228,7 @@
             <a:pPr rtl="0"/>
             <a:fld id="{EEBA12DA-C477-4DEC-8CD5-0CC7AA2A7F95}" type="datetime1">
               <a:rPr lang="hu-HU" smtClean="0"/>
-              <a:t>2022. 10. 11.</a:t>
+              <a:t>2022. 10. 25.</a:t>
             </a:fld>
             <a:endParaRPr lang="en-US" dirty="0"/>
           </a:p>
@@ -5484,7 +5487,7 @@
             <a:pPr rtl="0"/>
             <a:fld id="{0996B7B2-B32F-4DDF-9894-2FACA14133E2}" type="datetime1">
               <a:rPr lang="hu-HU" smtClean="0"/>
-              <a:t>2022. 10. 11.</a:t>
+              <a:t>2022. 10. 25.</a:t>
             </a:fld>
             <a:endParaRPr lang="en-US" dirty="0"/>
           </a:p>
@@ -5796,7 +5799,7 @@
             <a:pPr rtl="0"/>
             <a:fld id="{C36D6D66-4270-491C-9F23-0511DE91B152}" type="datetime1">
               <a:rPr lang="hu-HU" smtClean="0"/>
-              <a:t>2022. 10. 11.</a:t>
+              <a:t>2022. 10. 25.</a:t>
             </a:fld>
             <a:endParaRPr lang="en-US" dirty="0"/>
           </a:p>
@@ -6034,7 +6037,7 @@
             <a:pPr rtl="0"/>
             <a:fld id="{692444B4-EEAE-4DD5-A105-FC425BF0ADF0}" type="datetime1">
               <a:rPr lang="hu-HU" smtClean="0"/>
-              <a:t>2022. 10. 11.</a:t>
+              <a:t>2022. 10. 25.</a:t>
             </a:fld>
             <a:endParaRPr lang="en-US" dirty="0"/>
           </a:p>
@@ -6836,6 +6839,275 @@
 </p:sld>
 </file>
 
+<file path=ppt/slides/slide10.xml><?xml version="1.0" encoding="utf-8"?>
+<p:sld xmlns:a="http://schemas.openxmlformats.org/drawingml/2006/main" xmlns:r="http://schemas.openxmlformats.org/officeDocument/2006/relationships" xmlns:p="http://schemas.openxmlformats.org/presentationml/2006/main">
+  <p:cSld>
+    <p:spTree>
+      <p:nvGrpSpPr>
+        <p:cNvPr id="1" name=""/>
+        <p:cNvGrpSpPr/>
+        <p:nvPr/>
+      </p:nvGrpSpPr>
+      <p:grpSpPr>
+        <a:xfrm>
+          <a:off x="0" y="0"/>
+          <a:ext cx="0" cy="0"/>
+          <a:chOff x="0" y="0"/>
+          <a:chExt cx="0" cy="0"/>
+        </a:xfrm>
+      </p:grpSpPr>
+      <p:pic>
+        <p:nvPicPr>
+          <p:cNvPr id="5" name="Kép 4" descr="Csészét, kávét, ételt és italt ábrázoló kép&#10;&#10;Automatikusan létrehozott leírás">
+            <a:extLst>
+              <a:ext uri="{FF2B5EF4-FFF2-40B4-BE49-F238E27FC236}">
+                <a16:creationId xmlns:a16="http://schemas.microsoft.com/office/drawing/2014/main" id="{91BC5572-FC33-4C1C-8DEE-C2CF75A75641}"/>
+              </a:ext>
+            </a:extLst>
+          </p:cNvPr>
+          <p:cNvPicPr>
+            <a:picLocks noChangeAspect="1"/>
+          </p:cNvPicPr>
+          <p:nvPr/>
+        </p:nvPicPr>
+        <p:blipFill rotWithShape="1">
+          <a:blip r:embed="rId2">
+            <a:alphaModFix amt="35000"/>
+            <a:extLst>
+              <a:ext uri="{28A0092B-C50C-407E-A947-70E740481C1C}">
+                <a14:useLocalDpi xmlns:a14="http://schemas.microsoft.com/office/drawing/2010/main" val="0"/>
+              </a:ext>
+            </a:extLst>
+          </a:blip>
+          <a:srcRect/>
+          <a:stretch/>
+        </p:blipFill>
+        <p:spPr>
+          <a:xfrm>
+            <a:off x="20" y="10"/>
+            <a:ext cx="12191980" cy="6857990"/>
+          </a:xfrm>
+          <a:prstGeom prst="rect">
+            <a:avLst/>
+          </a:prstGeom>
+        </p:spPr>
+      </p:pic>
+      <p:sp>
+        <p:nvSpPr>
+          <p:cNvPr id="2" name="Cím 1"/>
+          <p:cNvSpPr>
+            <a:spLocks noGrp="1"/>
+          </p:cNvSpPr>
+          <p:nvPr>
+            <p:ph type="title"/>
+          </p:nvPr>
+        </p:nvSpPr>
+        <p:spPr/>
+        <p:txBody>
+          <a:bodyPr/>
+          <a:lstStyle/>
+          <a:p>
+            <a:r>
+              <a:rPr lang="hu-HU" dirty="0" smtClean="0"/>
+              <a:t>PHP</a:t>
+            </a:r>
+            <a:endParaRPr lang="hu-HU" dirty="0"/>
+          </a:p>
+        </p:txBody>
+      </p:sp>
+      <p:sp>
+        <p:nvSpPr>
+          <p:cNvPr id="3" name="Tartalom helye 2"/>
+          <p:cNvSpPr>
+            <a:spLocks noGrp="1"/>
+          </p:cNvSpPr>
+          <p:nvPr>
+            <p:ph idx="1"/>
+          </p:nvPr>
+        </p:nvSpPr>
+        <p:spPr/>
+        <p:txBody>
+          <a:bodyPr>
+            <a:normAutofit/>
+          </a:bodyPr>
+          <a:lstStyle/>
+          <a:p>
+            <a:pPr marL="36900" indent="0">
+              <a:buNone/>
+            </a:pPr>
+            <a:r>
+              <a:rPr lang="hu-HU" sz="3200" dirty="0" smtClean="0"/>
+              <a:t>A php segítségével kértük be az adatokat az adatbázisból és jelenítettük meg az oldalon.</a:t>
+            </a:r>
+          </a:p>
+          <a:p>
+            <a:pPr marL="36900" indent="0">
+              <a:buNone/>
+            </a:pPr>
+            <a:endParaRPr lang="hu-HU" sz="3200" dirty="0" smtClean="0"/>
+          </a:p>
+          <a:p>
+            <a:pPr marL="36900" indent="0">
+              <a:buNone/>
+            </a:pPr>
+            <a:endParaRPr lang="hu-HU" sz="3200" dirty="0"/>
+          </a:p>
+          <a:p>
+            <a:pPr marL="36900" indent="0">
+              <a:buNone/>
+            </a:pPr>
+            <a:endParaRPr lang="hu-HU" sz="3200" dirty="0" smtClean="0"/>
+          </a:p>
+        </p:txBody>
+      </p:sp>
+      <p:sp>
+        <p:nvSpPr>
+          <p:cNvPr id="4" name="Dátum helye 3"/>
+          <p:cNvSpPr>
+            <a:spLocks noGrp="1"/>
+          </p:cNvSpPr>
+          <p:nvPr>
+            <p:ph type="dt" sz="half" idx="10"/>
+          </p:nvPr>
+        </p:nvSpPr>
+        <p:spPr/>
+        <p:txBody>
+          <a:bodyPr/>
+          <a:lstStyle/>
+          <a:p>
+            <a:pPr rtl="0"/>
+            <a:endParaRPr lang="en-US" dirty="0"/>
+          </a:p>
+        </p:txBody>
+      </p:sp>
+    </p:spTree>
+    <p:extLst>
+      <p:ext uri="{BB962C8B-B14F-4D97-AF65-F5344CB8AC3E}">
+        <p14:creationId xmlns:p14="http://schemas.microsoft.com/office/powerpoint/2010/main" val="233022530"/>
+      </p:ext>
+    </p:extLst>
+  </p:cSld>
+  <p:clrMapOvr>
+    <a:masterClrMapping/>
+  </p:clrMapOvr>
+</p:sld>
+</file>
+
+<file path=ppt/slides/slide11.xml><?xml version="1.0" encoding="utf-8"?>
+<p:sld xmlns:a="http://schemas.openxmlformats.org/drawingml/2006/main" xmlns:r="http://schemas.openxmlformats.org/officeDocument/2006/relationships" xmlns:p="http://schemas.openxmlformats.org/presentationml/2006/main">
+  <p:cSld>
+    <p:spTree>
+      <p:nvGrpSpPr>
+        <p:cNvPr id="1" name=""/>
+        <p:cNvGrpSpPr/>
+        <p:nvPr/>
+      </p:nvGrpSpPr>
+      <p:grpSpPr>
+        <a:xfrm>
+          <a:off x="0" y="0"/>
+          <a:ext cx="0" cy="0"/>
+          <a:chOff x="0" y="0"/>
+          <a:chExt cx="0" cy="0"/>
+        </a:xfrm>
+      </p:grpSpPr>
+      <p:pic>
+        <p:nvPicPr>
+          <p:cNvPr id="5" name="Kép 4" descr="Csészét, kávét, ételt és italt ábrázoló kép&#10;&#10;Automatikusan létrehozott leírás">
+            <a:extLst>
+              <a:ext uri="{FF2B5EF4-FFF2-40B4-BE49-F238E27FC236}">
+                <a16:creationId xmlns:a16="http://schemas.microsoft.com/office/drawing/2014/main" id="{91BC5572-FC33-4C1C-8DEE-C2CF75A75641}"/>
+              </a:ext>
+            </a:extLst>
+          </p:cNvPr>
+          <p:cNvPicPr>
+            <a:picLocks noChangeAspect="1"/>
+          </p:cNvPicPr>
+          <p:nvPr/>
+        </p:nvPicPr>
+        <p:blipFill rotWithShape="1">
+          <a:blip r:embed="rId2">
+            <a:alphaModFix amt="35000"/>
+            <a:extLst>
+              <a:ext uri="{28A0092B-C50C-407E-A947-70E740481C1C}">
+                <a14:useLocalDpi xmlns:a14="http://schemas.microsoft.com/office/drawing/2010/main" val="0"/>
+              </a:ext>
+            </a:extLst>
+          </a:blip>
+          <a:srcRect/>
+          <a:stretch/>
+        </p:blipFill>
+        <p:spPr>
+          <a:xfrm>
+            <a:off x="20" y="10"/>
+            <a:ext cx="12191980" cy="6857990"/>
+          </a:xfrm>
+          <a:prstGeom prst="rect">
+            <a:avLst/>
+          </a:prstGeom>
+        </p:spPr>
+      </p:pic>
+      <p:sp>
+        <p:nvSpPr>
+          <p:cNvPr id="2" name="Cím 1"/>
+          <p:cNvSpPr>
+            <a:spLocks noGrp="1"/>
+          </p:cNvSpPr>
+          <p:nvPr>
+            <p:ph type="title"/>
+          </p:nvPr>
+        </p:nvSpPr>
+        <p:spPr/>
+        <p:txBody>
+          <a:bodyPr/>
+          <a:lstStyle/>
+          <a:p>
+            <a:endParaRPr lang="hu-HU" dirty="0"/>
+          </a:p>
+        </p:txBody>
+      </p:sp>
+      <p:sp>
+        <p:nvSpPr>
+          <p:cNvPr id="3" name="Tartalom helye 2"/>
+          <p:cNvSpPr>
+            <a:spLocks noGrp="1"/>
+          </p:cNvSpPr>
+          <p:nvPr>
+            <p:ph idx="1"/>
+          </p:nvPr>
+        </p:nvSpPr>
+        <p:spPr/>
+        <p:txBody>
+          <a:bodyPr>
+            <a:normAutofit/>
+          </a:bodyPr>
+          <a:lstStyle/>
+          <a:p>
+            <a:pPr marL="36900" indent="0">
+              <a:buNone/>
+            </a:pPr>
+            <a:endParaRPr lang="hu-HU" sz="3200" dirty="0"/>
+          </a:p>
+          <a:p>
+            <a:pPr marL="36900" indent="0">
+              <a:buNone/>
+            </a:pPr>
+            <a:endParaRPr lang="hu-HU" sz="3200" dirty="0" smtClean="0"/>
+          </a:p>
+        </p:txBody>
+      </p:sp>
+    </p:spTree>
+    <p:extLst>
+      <p:ext uri="{BB962C8B-B14F-4D97-AF65-F5344CB8AC3E}">
+        <p14:creationId xmlns:p14="http://schemas.microsoft.com/office/powerpoint/2010/main" val="1778082989"/>
+      </p:ext>
+    </p:extLst>
+  </p:cSld>
+  <p:clrMapOvr>
+    <a:masterClrMapping/>
+  </p:clrMapOvr>
+</p:sld>
+</file>
+
 <file path=ppt/slides/slide2.xml><?xml version="1.0" encoding="utf-8"?>
 <p:sld xmlns:a="http://schemas.openxmlformats.org/drawingml/2006/main" xmlns:r="http://schemas.openxmlformats.org/officeDocument/2006/relationships" xmlns:p="http://schemas.openxmlformats.org/presentationml/2006/main">
   <p:cSld>
@@ -7179,7 +7451,7 @@
             <a:pPr rtl="0"/>
             <a:fld id="{CB4931A8-8288-4238-AF14-026187036AFD}" type="datetime1">
               <a:rPr lang="hu-HU" smtClean="0"/>
-              <a:t>2022. 10. 11.</a:t>
+              <a:t>2022. 10. 25.</a:t>
             </a:fld>
             <a:endParaRPr lang="en-US" dirty="0"/>
           </a:p>
@@ -7305,11 +7577,7 @@
             </a:pPr>
             <a:r>
               <a:rPr lang="hu-HU" sz="4000" dirty="0" smtClean="0"/>
-              <a:t>Életkor </a:t>
-            </a:r>
-            <a:r>
-              <a:rPr lang="hu-HU" sz="4000" dirty="0" smtClean="0"/>
-              <a:t>ellenőrzése </a:t>
+              <a:t>Életkor ellenőrzése </a:t>
             </a:r>
           </a:p>
           <a:p>
@@ -7596,7 +7864,7 @@
             <a:pPr rtl="0"/>
             <a:fld id="{CB4931A8-8288-4238-AF14-026187036AFD}" type="datetime1">
               <a:rPr lang="hu-HU" smtClean="0"/>
-              <a:t>2022. 10. 11.</a:t>
+              <a:t>2022. 10. 25.</a:t>
             </a:fld>
             <a:endParaRPr lang="en-US" dirty="0"/>
           </a:p>
@@ -7747,7 +8015,7 @@
             <a:pPr rtl="0"/>
             <a:fld id="{CB4931A8-8288-4238-AF14-026187036AFD}" type="datetime1">
               <a:rPr lang="hu-HU" smtClean="0"/>
-              <a:t>2022. 10. 11.</a:t>
+              <a:t>2022. 10. 25.</a:t>
             </a:fld>
             <a:endParaRPr lang="en-US" dirty="0"/>
           </a:p>
@@ -7896,7 +8164,7 @@
             <a:pPr rtl="0"/>
             <a:fld id="{CB4931A8-8288-4238-AF14-026187036AFD}" type="datetime1">
               <a:rPr lang="hu-HU" smtClean="0"/>
-              <a:t>2022. 10. 11.</a:t>
+              <a:t>2022. 10. 25.</a:t>
             </a:fld>
             <a:endParaRPr lang="en-US" dirty="0"/>
           </a:p>
@@ -7906,6 +8174,173 @@
     <p:extLst>
       <p:ext uri="{BB962C8B-B14F-4D97-AF65-F5344CB8AC3E}">
         <p14:creationId xmlns:p14="http://schemas.microsoft.com/office/powerpoint/2010/main" val="175160826"/>
+      </p:ext>
+    </p:extLst>
+  </p:cSld>
+  <p:clrMapOvr>
+    <a:masterClrMapping/>
+  </p:clrMapOvr>
+</p:sld>
+</file>
+
+<file path=ppt/slides/slide9.xml><?xml version="1.0" encoding="utf-8"?>
+<p:sld xmlns:a="http://schemas.openxmlformats.org/drawingml/2006/main" xmlns:r="http://schemas.openxmlformats.org/officeDocument/2006/relationships" xmlns:p="http://schemas.openxmlformats.org/presentationml/2006/main">
+  <p:cSld>
+    <p:spTree>
+      <p:nvGrpSpPr>
+        <p:cNvPr id="1" name=""/>
+        <p:cNvGrpSpPr/>
+        <p:nvPr/>
+      </p:nvGrpSpPr>
+      <p:grpSpPr>
+        <a:xfrm>
+          <a:off x="0" y="0"/>
+          <a:ext cx="0" cy="0"/>
+          <a:chOff x="0" y="0"/>
+          <a:chExt cx="0" cy="0"/>
+        </a:xfrm>
+      </p:grpSpPr>
+      <p:pic>
+        <p:nvPicPr>
+          <p:cNvPr id="5" name="Kép 4" descr="Csészét, kávét, ételt és italt ábrázoló kép&#10;&#10;Automatikusan létrehozott leírás">
+            <a:extLst>
+              <a:ext uri="{FF2B5EF4-FFF2-40B4-BE49-F238E27FC236}">
+                <a16:creationId xmlns:a16="http://schemas.microsoft.com/office/drawing/2014/main" id="{91BC5572-FC33-4C1C-8DEE-C2CF75A75641}"/>
+              </a:ext>
+            </a:extLst>
+          </p:cNvPr>
+          <p:cNvPicPr>
+            <a:picLocks noChangeAspect="1"/>
+          </p:cNvPicPr>
+          <p:nvPr/>
+        </p:nvPicPr>
+        <p:blipFill rotWithShape="1">
+          <a:blip r:embed="rId2">
+            <a:alphaModFix amt="35000"/>
+            <a:extLst>
+              <a:ext uri="{28A0092B-C50C-407E-A947-70E740481C1C}">
+                <a14:useLocalDpi xmlns:a14="http://schemas.microsoft.com/office/drawing/2010/main" val="0"/>
+              </a:ext>
+            </a:extLst>
+          </a:blip>
+          <a:srcRect/>
+          <a:stretch/>
+        </p:blipFill>
+        <p:spPr>
+          <a:xfrm>
+            <a:off x="20" y="10"/>
+            <a:ext cx="12191980" cy="6857990"/>
+          </a:xfrm>
+          <a:prstGeom prst="rect">
+            <a:avLst/>
+          </a:prstGeom>
+        </p:spPr>
+      </p:pic>
+      <p:sp>
+        <p:nvSpPr>
+          <p:cNvPr id="2" name="Cím 1"/>
+          <p:cNvSpPr>
+            <a:spLocks noGrp="1"/>
+          </p:cNvSpPr>
+          <p:nvPr>
+            <p:ph type="title"/>
+          </p:nvPr>
+        </p:nvSpPr>
+        <p:spPr/>
+        <p:txBody>
+          <a:bodyPr/>
+          <a:lstStyle/>
+          <a:p>
+            <a:r>
+              <a:rPr lang="hu-HU" dirty="0" smtClean="0"/>
+              <a:t>Adatbázis</a:t>
+            </a:r>
+            <a:endParaRPr lang="hu-HU" dirty="0"/>
+          </a:p>
+        </p:txBody>
+      </p:sp>
+      <p:sp>
+        <p:nvSpPr>
+          <p:cNvPr id="3" name="Tartalom helye 2"/>
+          <p:cNvSpPr>
+            <a:spLocks noGrp="1"/>
+          </p:cNvSpPr>
+          <p:nvPr>
+            <p:ph idx="1"/>
+          </p:nvPr>
+        </p:nvSpPr>
+        <p:spPr/>
+        <p:txBody>
+          <a:bodyPr>
+            <a:normAutofit/>
+          </a:bodyPr>
+          <a:lstStyle/>
+          <a:p>
+            <a:pPr marL="36900" indent="0">
+              <a:buNone/>
+            </a:pPr>
+            <a:r>
+              <a:rPr lang="hu-HU" sz="3200" dirty="0"/>
+              <a:t>Az adatbázis feltöltése folyamatban van és frissül megújuló termékeinkkel</a:t>
+            </a:r>
+            <a:r>
+              <a:rPr lang="hu-HU" sz="3200" dirty="0" smtClean="0"/>
+              <a:t>.</a:t>
+            </a:r>
+          </a:p>
+          <a:p>
+            <a:pPr marL="36900" indent="0">
+              <a:buNone/>
+            </a:pPr>
+            <a:r>
+              <a:rPr lang="hu-HU" sz="3200" dirty="0" smtClean="0"/>
+              <a:t>Minden termékcsalád külön-külön, kategorizálva találhatóak meg.</a:t>
+            </a:r>
+          </a:p>
+          <a:p>
+            <a:pPr marL="36900" indent="0">
+              <a:buNone/>
+            </a:pPr>
+            <a:endParaRPr lang="hu-HU" sz="3200" dirty="0" smtClean="0"/>
+          </a:p>
+          <a:p>
+            <a:pPr marL="36900" indent="0">
+              <a:buNone/>
+            </a:pPr>
+            <a:endParaRPr lang="hu-HU" sz="3200" dirty="0"/>
+          </a:p>
+          <a:p>
+            <a:pPr marL="36900" indent="0">
+              <a:buNone/>
+            </a:pPr>
+            <a:endParaRPr lang="hu-HU" sz="3200" dirty="0" smtClean="0"/>
+          </a:p>
+        </p:txBody>
+      </p:sp>
+      <p:sp>
+        <p:nvSpPr>
+          <p:cNvPr id="4" name="Dátum helye 3"/>
+          <p:cNvSpPr>
+            <a:spLocks noGrp="1"/>
+          </p:cNvSpPr>
+          <p:nvPr>
+            <p:ph type="dt" sz="half" idx="10"/>
+          </p:nvPr>
+        </p:nvSpPr>
+        <p:spPr/>
+        <p:txBody>
+          <a:bodyPr/>
+          <a:lstStyle/>
+          <a:p>
+            <a:pPr rtl="0"/>
+            <a:endParaRPr lang="en-US" dirty="0"/>
+          </a:p>
+        </p:txBody>
+      </p:sp>
+    </p:spTree>
+    <p:extLst>
+      <p:ext uri="{BB962C8B-B14F-4D97-AF65-F5344CB8AC3E}">
+        <p14:creationId xmlns:p14="http://schemas.microsoft.com/office/powerpoint/2010/main" val="2585573443"/>
       </p:ext>
     </p:extLst>
   </p:cSld>

--- a/prezi.pptx
+++ b/prezi.pptx
@@ -5,10 +5,10 @@
     <p:sldMasterId id="2147483705" r:id="rId1"/>
   </p:sldMasterIdLst>
   <p:notesMasterIdLst>
-    <p:notesMasterId r:id="rId13"/>
+    <p:notesMasterId r:id="rId12"/>
   </p:notesMasterIdLst>
   <p:handoutMasterIdLst>
-    <p:handoutMasterId r:id="rId14"/>
+    <p:handoutMasterId r:id="rId13"/>
   </p:handoutMasterIdLst>
   <p:sldIdLst>
     <p:sldId id="259" r:id="rId2"/>
@@ -21,7 +21,6 @@
     <p:sldId id="264" r:id="rId9"/>
     <p:sldId id="267" r:id="rId10"/>
     <p:sldId id="269" r:id="rId11"/>
-    <p:sldId id="268" r:id="rId12"/>
   </p:sldIdLst>
   <p:sldSz cx="12192000" cy="6858000"/>
   <p:notesSz cx="6858000" cy="9144000"/>
@@ -6944,6 +6943,26 @@
             <a:pPr marL="36900" indent="0">
               <a:buNone/>
             </a:pPr>
+            <a:r>
+              <a:rPr lang="hu-HU" sz="3200" dirty="0" smtClean="0"/>
+              <a:t>Php-</a:t>
+            </a:r>
+            <a:r>
+              <a:rPr lang="hu-HU" sz="3200" dirty="0" err="1" smtClean="0"/>
+              <a:t>nak</a:t>
+            </a:r>
+            <a:r>
+              <a:rPr lang="hu-HU" sz="3200" dirty="0" smtClean="0"/>
+              <a:t> köszönhetően hosszas, több száz sorokat spóroltunk meg a </a:t>
+            </a:r>
+            <a:r>
+              <a:rPr lang="hu-HU" sz="3200" dirty="0" smtClean="0"/>
+              <a:t>többi </a:t>
+            </a:r>
+            <a:r>
+              <a:rPr lang="hu-HU" sz="3200" smtClean="0"/>
+              <a:t>oldal kódjában.</a:t>
+            </a:r>
             <a:endParaRPr lang="hu-HU" sz="3200" dirty="0" smtClean="0"/>
           </a:p>
           <a:p>
@@ -6984,121 +7003,6 @@
     <p:extLst>
       <p:ext uri="{BB962C8B-B14F-4D97-AF65-F5344CB8AC3E}">
         <p14:creationId xmlns:p14="http://schemas.microsoft.com/office/powerpoint/2010/main" val="233022530"/>
-      </p:ext>
-    </p:extLst>
-  </p:cSld>
-  <p:clrMapOvr>
-    <a:masterClrMapping/>
-  </p:clrMapOvr>
-</p:sld>
-</file>
-
-<file path=ppt/slides/slide11.xml><?xml version="1.0" encoding="utf-8"?>
-<p:sld xmlns:a="http://schemas.openxmlformats.org/drawingml/2006/main" xmlns:r="http://schemas.openxmlformats.org/officeDocument/2006/relationships" xmlns:p="http://schemas.openxmlformats.org/presentationml/2006/main">
-  <p:cSld>
-    <p:spTree>
-      <p:nvGrpSpPr>
-        <p:cNvPr id="1" name=""/>
-        <p:cNvGrpSpPr/>
-        <p:nvPr/>
-      </p:nvGrpSpPr>
-      <p:grpSpPr>
-        <a:xfrm>
-          <a:off x="0" y="0"/>
-          <a:ext cx="0" cy="0"/>
-          <a:chOff x="0" y="0"/>
-          <a:chExt cx="0" cy="0"/>
-        </a:xfrm>
-      </p:grpSpPr>
-      <p:pic>
-        <p:nvPicPr>
-          <p:cNvPr id="5" name="Kép 4" descr="Csészét, kávét, ételt és italt ábrázoló kép&#10;&#10;Automatikusan létrehozott leírás">
-            <a:extLst>
-              <a:ext uri="{FF2B5EF4-FFF2-40B4-BE49-F238E27FC236}">
-                <a16:creationId xmlns:a16="http://schemas.microsoft.com/office/drawing/2014/main" id="{91BC5572-FC33-4C1C-8DEE-C2CF75A75641}"/>
-              </a:ext>
-            </a:extLst>
-          </p:cNvPr>
-          <p:cNvPicPr>
-            <a:picLocks noChangeAspect="1"/>
-          </p:cNvPicPr>
-          <p:nvPr/>
-        </p:nvPicPr>
-        <p:blipFill rotWithShape="1">
-          <a:blip r:embed="rId2">
-            <a:alphaModFix amt="35000"/>
-            <a:extLst>
-              <a:ext uri="{28A0092B-C50C-407E-A947-70E740481C1C}">
-                <a14:useLocalDpi xmlns:a14="http://schemas.microsoft.com/office/drawing/2010/main" val="0"/>
-              </a:ext>
-            </a:extLst>
-          </a:blip>
-          <a:srcRect/>
-          <a:stretch/>
-        </p:blipFill>
-        <p:spPr>
-          <a:xfrm>
-            <a:off x="20" y="10"/>
-            <a:ext cx="12191980" cy="6857990"/>
-          </a:xfrm>
-          <a:prstGeom prst="rect">
-            <a:avLst/>
-          </a:prstGeom>
-        </p:spPr>
-      </p:pic>
-      <p:sp>
-        <p:nvSpPr>
-          <p:cNvPr id="2" name="Cím 1"/>
-          <p:cNvSpPr>
-            <a:spLocks noGrp="1"/>
-          </p:cNvSpPr>
-          <p:nvPr>
-            <p:ph type="title"/>
-          </p:nvPr>
-        </p:nvSpPr>
-        <p:spPr/>
-        <p:txBody>
-          <a:bodyPr/>
-          <a:lstStyle/>
-          <a:p>
-            <a:endParaRPr lang="hu-HU" dirty="0"/>
-          </a:p>
-        </p:txBody>
-      </p:sp>
-      <p:sp>
-        <p:nvSpPr>
-          <p:cNvPr id="3" name="Tartalom helye 2"/>
-          <p:cNvSpPr>
-            <a:spLocks noGrp="1"/>
-          </p:cNvSpPr>
-          <p:nvPr>
-            <p:ph idx="1"/>
-          </p:nvPr>
-        </p:nvSpPr>
-        <p:spPr/>
-        <p:txBody>
-          <a:bodyPr>
-            <a:normAutofit/>
-          </a:bodyPr>
-          <a:lstStyle/>
-          <a:p>
-            <a:pPr marL="36900" indent="0">
-              <a:buNone/>
-            </a:pPr>
-            <a:endParaRPr lang="hu-HU" sz="3200" dirty="0"/>
-          </a:p>
-          <a:p>
-            <a:pPr marL="36900" indent="0">
-              <a:buNone/>
-            </a:pPr>
-            <a:endParaRPr lang="hu-HU" sz="3200" dirty="0" smtClean="0"/>
-          </a:p>
-        </p:txBody>
-      </p:sp>
-    </p:spTree>
-    <p:extLst>
-      <p:ext uri="{BB962C8B-B14F-4D97-AF65-F5344CB8AC3E}">
-        <p14:creationId xmlns:p14="http://schemas.microsoft.com/office/powerpoint/2010/main" val="1778082989"/>
       </p:ext>
     </p:extLst>
   </p:cSld>

--- a/prezi.pptx
+++ b/prezi.pptx
@@ -5,10 +5,10 @@
     <p:sldMasterId id="2147483705" r:id="rId1"/>
   </p:sldMasterIdLst>
   <p:notesMasterIdLst>
-    <p:notesMasterId r:id="rId12"/>
+    <p:notesMasterId r:id="rId15"/>
   </p:notesMasterIdLst>
   <p:handoutMasterIdLst>
-    <p:handoutMasterId r:id="rId13"/>
+    <p:handoutMasterId r:id="rId16"/>
   </p:handoutMasterIdLst>
   <p:sldIdLst>
     <p:sldId id="259" r:id="rId2"/>
@@ -21,6 +21,9 @@
     <p:sldId id="264" r:id="rId9"/>
     <p:sldId id="267" r:id="rId10"/>
     <p:sldId id="269" r:id="rId11"/>
+    <p:sldId id="270" r:id="rId12"/>
+    <p:sldId id="271" r:id="rId13"/>
+    <p:sldId id="272" r:id="rId14"/>
   </p:sldIdLst>
   <p:sldSz cx="12192000" cy="6858000"/>
   <p:notesSz cx="6858000" cy="9144000"/>
@@ -214,7 +217,7 @@
             <a:pPr rtl="0"/>
             <a:fld id="{79328C74-2DD9-4CFD-934B-3DF3C1DDE5FC}" type="datetime1">
               <a:rPr lang="hu-HU" smtClean="0"/>
-              <a:t>2022. 10. 25.</a:t>
+              <a:t>2022. 12. 07.</a:t>
             </a:fld>
             <a:endParaRPr lang="en-US" dirty="0"/>
           </a:p>
@@ -384,7 +387,7 @@
             <a:pPr rtl="0"/>
             <a:fld id="{41F517D8-72C6-4C72-9062-09CA35D1D6EA}" type="datetime1">
               <a:rPr lang="hu-HU" smtClean="0"/>
-              <a:t>2022. 10. 25.</a:t>
+              <a:t>2022. 12. 07.</a:t>
             </a:fld>
             <a:endParaRPr lang="en-US"/>
           </a:p>
@@ -845,7 +848,7 @@
             <a:pPr rtl="0"/>
             <a:fld id="{8D06F676-C664-4C85-930F-9B6130AE0859}" type="datetime1">
               <a:rPr lang="hu-HU" smtClean="0"/>
-              <a:t>2022. 10. 25.</a:t>
+              <a:t>2022. 12. 07.</a:t>
             </a:fld>
             <a:endParaRPr lang="en-US" dirty="0"/>
           </a:p>
@@ -1155,7 +1158,7 @@
             <a:pPr rtl="0"/>
             <a:fld id="{DFA9AE65-3357-474A-9E41-D5D48A22CB46}" type="datetime1">
               <a:rPr lang="hu-HU" smtClean="0"/>
-              <a:t>2022. 10. 25.</a:t>
+              <a:t>2022. 12. 07.</a:t>
             </a:fld>
             <a:endParaRPr lang="en-US" dirty="0"/>
           </a:p>
@@ -1353,7 +1356,7 @@
             <a:pPr rtl="0"/>
             <a:fld id="{15DEE93C-3C2D-4E26-B2EB-AA9505384E6D}" type="datetime1">
               <a:rPr lang="hu-HU" smtClean="0"/>
-              <a:t>2022. 10. 25.</a:t>
+              <a:t>2022. 12. 07.</a:t>
             </a:fld>
             <a:endParaRPr lang="en-US" dirty="0"/>
           </a:p>
@@ -1620,7 +1623,7 @@
             <a:pPr rtl="0"/>
             <a:fld id="{90F0F59D-97DE-494E-8C3C-171907D39773}" type="datetime1">
               <a:rPr lang="hu-HU" smtClean="0"/>
-              <a:t>2022. 10. 25.</a:t>
+              <a:t>2022. 12. 07.</a:t>
             </a:fld>
             <a:endParaRPr lang="en-US" dirty="0"/>
           </a:p>
@@ -2060,7 +2063,7 @@
             <a:pPr rtl="0"/>
             <a:fld id="{7A0696A8-D711-4B65-A653-8621AA7D08B1}" type="datetime1">
               <a:rPr lang="hu-HU" smtClean="0"/>
-              <a:t>2022. 10. 25.</a:t>
+              <a:t>2022. 12. 07.</a:t>
             </a:fld>
             <a:endParaRPr lang="en-US" dirty="0"/>
           </a:p>
@@ -2601,7 +2604,7 @@
             <a:pPr rtl="0"/>
             <a:fld id="{8AA05328-906A-4574-A2A4-9142E7EEB0D7}" type="datetime1">
               <a:rPr lang="hu-HU" smtClean="0"/>
-              <a:t>2022. 10. 25.</a:t>
+              <a:t>2022. 12. 07.</a:t>
             </a:fld>
             <a:endParaRPr lang="en-US" dirty="0"/>
           </a:p>
@@ -3490,7 +3493,7 @@
             <a:pPr rtl="0"/>
             <a:fld id="{59A40F4B-C8A7-474B-9E07-0763335F9A9B}" type="datetime1">
               <a:rPr lang="hu-HU" smtClean="0"/>
-              <a:t>2022. 10. 25.</a:t>
+              <a:t>2022. 12. 07.</a:t>
             </a:fld>
             <a:endParaRPr lang="en-US" dirty="0"/>
           </a:p>
@@ -3664,7 +3667,7 @@
             <a:pPr rtl="0"/>
             <a:fld id="{5D886BA4-B095-4091-9B3B-1AE5660185AF}" type="datetime1">
               <a:rPr lang="hu-HU" smtClean="0"/>
-              <a:t>2022. 10. 25.</a:t>
+              <a:t>2022. 12. 07.</a:t>
             </a:fld>
             <a:endParaRPr lang="en-US" dirty="0"/>
           </a:p>
@@ -3852,7 +3855,7 @@
             <a:pPr rtl="0"/>
             <a:fld id="{31F4D693-9A33-46B5-8483-A655726D1E81}" type="datetime1">
               <a:rPr lang="hu-HU" smtClean="0"/>
-              <a:t>2022. 10. 25.</a:t>
+              <a:t>2022. 12. 07.</a:t>
             </a:fld>
             <a:endParaRPr lang="en-US" dirty="0"/>
           </a:p>
@@ -4026,7 +4029,7 @@
             <a:pPr rtl="0"/>
             <a:fld id="{CB4931A8-8288-4238-AF14-026187036AFD}" type="datetime1">
               <a:rPr lang="hu-HU" smtClean="0"/>
-              <a:t>2022. 10. 25.</a:t>
+              <a:t>2022. 12. 07.</a:t>
             </a:fld>
             <a:endParaRPr lang="en-US" dirty="0"/>
           </a:p>
@@ -4274,7 +4277,7 @@
             <a:pPr rtl="0"/>
             <a:fld id="{2E65F545-0511-4EE3-B36D-0AAF15A22616}" type="datetime1">
               <a:rPr lang="hu-HU" smtClean="0"/>
-              <a:t>2022. 10. 25.</a:t>
+              <a:t>2022. 12. 07.</a:t>
             </a:fld>
             <a:endParaRPr lang="en-US" dirty="0"/>
           </a:p>
@@ -4520,7 +4523,7 @@
             <a:pPr rtl="0"/>
             <a:fld id="{B817C899-C8BD-4743-9041-F9570303B9CC}" type="datetime1">
               <a:rPr lang="hu-HU" smtClean="0"/>
-              <a:t>2022. 10. 25.</a:t>
+              <a:t>2022. 12. 07.</a:t>
             </a:fld>
             <a:endParaRPr lang="en-US" dirty="0"/>
           </a:p>
@@ -5007,7 +5010,7 @@
             <a:pPr rtl="0"/>
             <a:fld id="{3E135D0D-8851-4427-86DA-5BF8C4C38E92}" type="datetime1">
               <a:rPr lang="hu-HU" smtClean="0"/>
-              <a:t>2022. 10. 25.</a:t>
+              <a:t>2022. 12. 07.</a:t>
             </a:fld>
             <a:endParaRPr lang="en-US" dirty="0"/>
           </a:p>
@@ -5129,7 +5132,7 @@
             <a:pPr rtl="0"/>
             <a:fld id="{1672C471-15B7-4E03-99B1-DD7965475934}" type="datetime1">
               <a:rPr lang="hu-HU" smtClean="0"/>
-              <a:t>2022. 10. 25.</a:t>
+              <a:t>2022. 12. 07.</a:t>
             </a:fld>
             <a:endParaRPr lang="en-US" dirty="0"/>
           </a:p>
@@ -5227,7 +5230,7 @@
             <a:pPr rtl="0"/>
             <a:fld id="{EEBA12DA-C477-4DEC-8CD5-0CC7AA2A7F95}" type="datetime1">
               <a:rPr lang="hu-HU" smtClean="0"/>
-              <a:t>2022. 10. 25.</a:t>
+              <a:t>2022. 12. 07.</a:t>
             </a:fld>
             <a:endParaRPr lang="en-US" dirty="0"/>
           </a:p>
@@ -5486,7 +5489,7 @@
             <a:pPr rtl="0"/>
             <a:fld id="{0996B7B2-B32F-4DDF-9894-2FACA14133E2}" type="datetime1">
               <a:rPr lang="hu-HU" smtClean="0"/>
-              <a:t>2022. 10. 25.</a:t>
+              <a:t>2022. 12. 07.</a:t>
             </a:fld>
             <a:endParaRPr lang="en-US" dirty="0"/>
           </a:p>
@@ -5798,7 +5801,7 @@
             <a:pPr rtl="0"/>
             <a:fld id="{C36D6D66-4270-491C-9F23-0511DE91B152}" type="datetime1">
               <a:rPr lang="hu-HU" smtClean="0"/>
-              <a:t>2022. 10. 25.</a:t>
+              <a:t>2022. 12. 07.</a:t>
             </a:fld>
             <a:endParaRPr lang="en-US" dirty="0"/>
           </a:p>
@@ -6036,7 +6039,7 @@
             <a:pPr rtl="0"/>
             <a:fld id="{692444B4-EEAE-4DD5-A105-FC425BF0ADF0}" type="datetime1">
               <a:rPr lang="hu-HU" smtClean="0"/>
-              <a:t>2022. 10. 25.</a:t>
+              <a:t>2022. 12. 07.</a:t>
             </a:fld>
             <a:endParaRPr lang="en-US" dirty="0"/>
           </a:p>
@@ -6805,15 +6808,7 @@
             <a:pPr rtl="0"/>
             <a:r>
               <a:rPr lang="hu" sz="7200" b="1" dirty="0"/>
-              <a:t>Alkoholt </a:t>
-            </a:r>
-            <a:r>
-              <a:rPr lang="hu" sz="7200" b="1" dirty="0" smtClean="0"/>
-              <a:t>árusító </a:t>
-            </a:r>
-            <a:r>
-              <a:rPr lang="hu" sz="7200" b="1" dirty="0"/>
-              <a:t>webshop</a:t>
+              <a:t>Alkoholt árusító webshop</a:t>
             </a:r>
           </a:p>
         </p:txBody>
@@ -6828,13 +6823,6 @@
   <p:clrMapOvr>
     <a:masterClrMapping/>
   </p:clrMapOvr>
-  <p:timing>
-    <p:tnLst>
-      <p:par>
-        <p:cTn id="1" dur="indefinite" restart="never" nodeType="tmRoot"/>
-      </p:par>
-    </p:tnLst>
-  </p:timing>
 </p:sld>
 </file>
 
@@ -6907,10 +6895,9 @@
           <a:lstStyle/>
           <a:p>
             <a:r>
-              <a:rPr lang="hu-HU" dirty="0" smtClean="0"/>
+              <a:rPr lang="hu-HU" dirty="0"/>
               <a:t>PHP</a:t>
             </a:r>
-            <a:endParaRPr lang="hu-HU" dirty="0"/>
           </a:p>
         </p:txBody>
       </p:sp>
@@ -6935,7 +6922,7 @@
               <a:buNone/>
             </a:pPr>
             <a:r>
-              <a:rPr lang="hu-HU" sz="3200" dirty="0" smtClean="0"/>
+              <a:rPr lang="hu-HU" sz="3200" dirty="0"/>
               <a:t>A php segítségével kértük be az adatokat az adatbázisból és jelenítettük meg az oldalon.</a:t>
             </a:r>
           </a:p>
@@ -6944,26 +6931,22 @@
               <a:buNone/>
             </a:pPr>
             <a:r>
-              <a:rPr lang="hu-HU" sz="3200" dirty="0" smtClean="0"/>
+              <a:rPr lang="hu-HU" sz="3200" dirty="0"/>
               <a:t>Php-</a:t>
             </a:r>
             <a:r>
-              <a:rPr lang="hu-HU" sz="3200" dirty="0" err="1" smtClean="0"/>
+              <a:rPr lang="hu-HU" sz="3200" dirty="0" err="1"/>
               <a:t>nak</a:t>
             </a:r>
             <a:r>
-              <a:rPr lang="hu-HU" sz="3200" dirty="0" smtClean="0"/>
-              <a:t> köszönhetően hosszas, több száz sorokat spóroltunk meg a </a:t>
-            </a:r>
-            <a:r>
-              <a:rPr lang="hu-HU" sz="3200" dirty="0" smtClean="0"/>
-              <a:t>többi </a:t>
-            </a:r>
-            <a:r>
-              <a:rPr lang="hu-HU" sz="3200" smtClean="0"/>
+              <a:rPr lang="hu-HU" sz="3200" dirty="0"/>
+              <a:t> köszönhetően hosszas, több száz sorokat spóroltunk meg a többi </a:t>
+            </a:r>
+            <a:r>
+              <a:rPr lang="hu-HU" sz="3200"/>
               <a:t>oldal kódjában.</a:t>
             </a:r>
-            <a:endParaRPr lang="hu-HU" sz="3200" dirty="0" smtClean="0"/>
+            <a:endParaRPr lang="hu-HU" sz="3200" dirty="0"/>
           </a:p>
           <a:p>
             <a:pPr marL="36900" indent="0">
@@ -6975,7 +6958,7 @@
             <a:pPr marL="36900" indent="0">
               <a:buNone/>
             </a:pPr>
-            <a:endParaRPr lang="hu-HU" sz="3200" dirty="0" smtClean="0"/>
+            <a:endParaRPr lang="hu-HU" sz="3200" dirty="0"/>
           </a:p>
         </p:txBody>
       </p:sp>
@@ -7003,6 +6986,471 @@
     <p:extLst>
       <p:ext uri="{BB962C8B-B14F-4D97-AF65-F5344CB8AC3E}">
         <p14:creationId xmlns:p14="http://schemas.microsoft.com/office/powerpoint/2010/main" val="233022530"/>
+      </p:ext>
+    </p:extLst>
+  </p:cSld>
+  <p:clrMapOvr>
+    <a:masterClrMapping/>
+  </p:clrMapOvr>
+</p:sld>
+</file>
+
+<file path=ppt/slides/slide11.xml><?xml version="1.0" encoding="utf-8"?>
+<p:sld xmlns:a="http://schemas.openxmlformats.org/drawingml/2006/main" xmlns:r="http://schemas.openxmlformats.org/officeDocument/2006/relationships" xmlns:p="http://schemas.openxmlformats.org/presentationml/2006/main">
+  <p:cSld>
+    <p:spTree>
+      <p:nvGrpSpPr>
+        <p:cNvPr id="1" name=""/>
+        <p:cNvGrpSpPr/>
+        <p:nvPr/>
+      </p:nvGrpSpPr>
+      <p:grpSpPr>
+        <a:xfrm>
+          <a:off x="0" y="0"/>
+          <a:ext cx="0" cy="0"/>
+          <a:chOff x="0" y="0"/>
+          <a:chExt cx="0" cy="0"/>
+        </a:xfrm>
+      </p:grpSpPr>
+      <p:pic>
+        <p:nvPicPr>
+          <p:cNvPr id="5" name="Kép 4" descr="Csészét, kávét, ételt és italt ábrázoló kép&#10;&#10;Automatikusan létrehozott leírás">
+            <a:extLst>
+              <a:ext uri="{FF2B5EF4-FFF2-40B4-BE49-F238E27FC236}">
+                <a16:creationId xmlns:a16="http://schemas.microsoft.com/office/drawing/2014/main" id="{208E2633-860C-2E10-01C0-C72CD03EF18C}"/>
+              </a:ext>
+            </a:extLst>
+          </p:cNvPr>
+          <p:cNvPicPr>
+            <a:picLocks noChangeAspect="1"/>
+          </p:cNvPicPr>
+          <p:nvPr/>
+        </p:nvPicPr>
+        <p:blipFill rotWithShape="1">
+          <a:blip r:embed="rId2">
+            <a:alphaModFix amt="35000"/>
+            <a:extLst>
+              <a:ext uri="{28A0092B-C50C-407E-A947-70E740481C1C}">
+                <a14:useLocalDpi xmlns:a14="http://schemas.microsoft.com/office/drawing/2010/main" val="0"/>
+              </a:ext>
+            </a:extLst>
+          </a:blip>
+          <a:srcRect/>
+          <a:stretch/>
+        </p:blipFill>
+        <p:spPr>
+          <a:xfrm>
+            <a:off x="20" y="10"/>
+            <a:ext cx="12191980" cy="6857990"/>
+          </a:xfrm>
+          <a:prstGeom prst="rect">
+            <a:avLst/>
+          </a:prstGeom>
+        </p:spPr>
+      </p:pic>
+      <p:sp>
+        <p:nvSpPr>
+          <p:cNvPr id="2" name="Cím 1">
+            <a:extLst>
+              <a:ext uri="{FF2B5EF4-FFF2-40B4-BE49-F238E27FC236}">
+                <a16:creationId xmlns:a16="http://schemas.microsoft.com/office/drawing/2014/main" id="{B1D81F4B-B2FE-11BC-3EC7-22E7BAB501E8}"/>
+              </a:ext>
+            </a:extLst>
+          </p:cNvPr>
+          <p:cNvSpPr>
+            <a:spLocks noGrp="1"/>
+          </p:cNvSpPr>
+          <p:nvPr>
+            <p:ph type="title"/>
+          </p:nvPr>
+        </p:nvSpPr>
+        <p:spPr/>
+        <p:txBody>
+          <a:bodyPr/>
+          <a:lstStyle/>
+          <a:p>
+            <a:r>
+              <a:rPr lang="hu-HU" dirty="0"/>
+              <a:t>Kosár, szállítás	</a:t>
+            </a:r>
+          </a:p>
+        </p:txBody>
+      </p:sp>
+      <p:sp>
+        <p:nvSpPr>
+          <p:cNvPr id="3" name="Tartalom helye 2">
+            <a:extLst>
+              <a:ext uri="{FF2B5EF4-FFF2-40B4-BE49-F238E27FC236}">
+                <a16:creationId xmlns:a16="http://schemas.microsoft.com/office/drawing/2014/main" id="{21845FDA-2922-C707-894B-3BBF5303A7B0}"/>
+              </a:ext>
+            </a:extLst>
+          </p:cNvPr>
+          <p:cNvSpPr>
+            <a:spLocks noGrp="1"/>
+          </p:cNvSpPr>
+          <p:nvPr>
+            <p:ph idx="1"/>
+          </p:nvPr>
+        </p:nvSpPr>
+        <p:spPr/>
+        <p:txBody>
+          <a:bodyPr>
+            <a:normAutofit lnSpcReduction="10000"/>
+          </a:bodyPr>
+          <a:lstStyle/>
+          <a:p>
+            <a:pPr marL="36900" indent="0">
+              <a:buNone/>
+            </a:pPr>
+            <a:r>
+              <a:rPr lang="hu-HU" sz="3200" dirty="0"/>
+              <a:t>A vásárlás folyamán, a kiválasztott termékek bekerülnek a kosárba. Ez a funkció is elérhetővé vált az oldalon. </a:t>
+            </a:r>
+          </a:p>
+          <a:p>
+            <a:pPr marL="36900" indent="0">
+              <a:buNone/>
+            </a:pPr>
+            <a:r>
+              <a:rPr lang="hu-HU" sz="3200" dirty="0"/>
+              <a:t>Az ügyfél miután végzett a termékek kiválasztásával és a kosár fülre nyom, átirányításra kerül egy adategyeztetés oldalra, ahol a szállítási adatokat tudja megadni/kezelni. </a:t>
+            </a:r>
+          </a:p>
+          <a:p>
+            <a:pPr marL="36900" indent="0">
+              <a:buNone/>
+            </a:pPr>
+            <a:r>
+              <a:rPr lang="hu-HU" sz="3200" dirty="0"/>
+              <a:t>Ezek végezetéül az adatokat rögzítjük és kiszállításra kerülnek</a:t>
+            </a:r>
+            <a:r>
+              <a:rPr lang="hu-HU" dirty="0"/>
+              <a:t>.</a:t>
+            </a:r>
+          </a:p>
+          <a:p>
+            <a:pPr marL="36900" indent="0">
+              <a:buNone/>
+            </a:pPr>
+            <a:endParaRPr lang="hu-HU" dirty="0"/>
+          </a:p>
+          <a:p>
+            <a:pPr marL="36900" indent="0">
+              <a:buNone/>
+            </a:pPr>
+            <a:endParaRPr lang="hu-HU" dirty="0"/>
+          </a:p>
+        </p:txBody>
+      </p:sp>
+    </p:spTree>
+    <p:extLst>
+      <p:ext uri="{BB962C8B-B14F-4D97-AF65-F5344CB8AC3E}">
+        <p14:creationId xmlns:p14="http://schemas.microsoft.com/office/powerpoint/2010/main" val="3765160184"/>
+      </p:ext>
+    </p:extLst>
+  </p:cSld>
+  <p:clrMapOvr>
+    <a:masterClrMapping/>
+  </p:clrMapOvr>
+</p:sld>
+</file>
+
+<file path=ppt/slides/slide12.xml><?xml version="1.0" encoding="utf-8"?>
+<p:sld xmlns:a="http://schemas.openxmlformats.org/drawingml/2006/main" xmlns:r="http://schemas.openxmlformats.org/officeDocument/2006/relationships" xmlns:p="http://schemas.openxmlformats.org/presentationml/2006/main">
+  <p:cSld>
+    <p:spTree>
+      <p:nvGrpSpPr>
+        <p:cNvPr id="1" name=""/>
+        <p:cNvGrpSpPr/>
+        <p:nvPr/>
+      </p:nvGrpSpPr>
+      <p:grpSpPr>
+        <a:xfrm>
+          <a:off x="0" y="0"/>
+          <a:ext cx="0" cy="0"/>
+          <a:chOff x="0" y="0"/>
+          <a:chExt cx="0" cy="0"/>
+        </a:xfrm>
+      </p:grpSpPr>
+      <p:pic>
+        <p:nvPicPr>
+          <p:cNvPr id="5" name="Kép 4" descr="Csészét, kávét, ételt és italt ábrázoló kép&#10;&#10;Automatikusan létrehozott leírás">
+            <a:extLst>
+              <a:ext uri="{FF2B5EF4-FFF2-40B4-BE49-F238E27FC236}">
+                <a16:creationId xmlns:a16="http://schemas.microsoft.com/office/drawing/2014/main" id="{3BE8B25B-C55F-41E1-2B0B-CF33C62BEB4D}"/>
+              </a:ext>
+            </a:extLst>
+          </p:cNvPr>
+          <p:cNvPicPr>
+            <a:picLocks noChangeAspect="1"/>
+          </p:cNvPicPr>
+          <p:nvPr/>
+        </p:nvPicPr>
+        <p:blipFill rotWithShape="1">
+          <a:blip r:embed="rId2">
+            <a:alphaModFix amt="35000"/>
+            <a:extLst>
+              <a:ext uri="{28A0092B-C50C-407E-A947-70E740481C1C}">
+                <a14:useLocalDpi xmlns:a14="http://schemas.microsoft.com/office/drawing/2010/main" val="0"/>
+              </a:ext>
+            </a:extLst>
+          </a:blip>
+          <a:srcRect/>
+          <a:stretch/>
+        </p:blipFill>
+        <p:spPr>
+          <a:xfrm>
+            <a:off x="20" y="10"/>
+            <a:ext cx="12191980" cy="6857990"/>
+          </a:xfrm>
+          <a:prstGeom prst="rect">
+            <a:avLst/>
+          </a:prstGeom>
+        </p:spPr>
+      </p:pic>
+      <p:sp>
+        <p:nvSpPr>
+          <p:cNvPr id="2" name="Cím 1">
+            <a:extLst>
+              <a:ext uri="{FF2B5EF4-FFF2-40B4-BE49-F238E27FC236}">
+                <a16:creationId xmlns:a16="http://schemas.microsoft.com/office/drawing/2014/main" id="{E4A9031E-F783-F9CD-FC52-78BD0C0951BF}"/>
+              </a:ext>
+            </a:extLst>
+          </p:cNvPr>
+          <p:cNvSpPr>
+            <a:spLocks noGrp="1"/>
+          </p:cNvSpPr>
+          <p:nvPr>
+            <p:ph type="title"/>
+          </p:nvPr>
+        </p:nvSpPr>
+        <p:spPr/>
+        <p:txBody>
+          <a:bodyPr>
+            <a:normAutofit/>
+          </a:bodyPr>
+          <a:lstStyle/>
+          <a:p>
+            <a:r>
+              <a:rPr lang="hu-HU" dirty="0"/>
+              <a:t>Kép blokkok beillesztése</a:t>
+            </a:r>
+          </a:p>
+        </p:txBody>
+      </p:sp>
+      <p:sp>
+        <p:nvSpPr>
+          <p:cNvPr id="3" name="Tartalom helye 2">
+            <a:extLst>
+              <a:ext uri="{FF2B5EF4-FFF2-40B4-BE49-F238E27FC236}">
+                <a16:creationId xmlns:a16="http://schemas.microsoft.com/office/drawing/2014/main" id="{B2B963D2-6C6E-C0A9-7D9B-2F5043A77625}"/>
+              </a:ext>
+            </a:extLst>
+          </p:cNvPr>
+          <p:cNvSpPr>
+            <a:spLocks noGrp="1"/>
+          </p:cNvSpPr>
+          <p:nvPr>
+            <p:ph idx="1"/>
+          </p:nvPr>
+        </p:nvSpPr>
+        <p:spPr/>
+        <p:txBody>
+          <a:bodyPr>
+            <a:normAutofit/>
+          </a:bodyPr>
+          <a:lstStyle/>
+          <a:p>
+            <a:pPr marL="36900" indent="0">
+              <a:buNone/>
+            </a:pPr>
+            <a:r>
+              <a:rPr lang="hu-HU" sz="3200" dirty="0"/>
+              <a:t>A fő HTML oldalon láthatóvá tettük az ideiglenes képeket szemléltetés képen, hogy az ügyfél (megrendelő) láthassa mi volt az elképzelésünk.</a:t>
+            </a:r>
+          </a:p>
+          <a:p>
+            <a:pPr marL="36900" indent="0">
+              <a:buNone/>
+            </a:pPr>
+            <a:r>
+              <a:rPr lang="hu-HU" sz="3200" dirty="0"/>
+              <a:t>A sprintek utolsó fázisában a kész képek a helyükre kerülnek.</a:t>
+            </a:r>
+          </a:p>
+        </p:txBody>
+      </p:sp>
+    </p:spTree>
+    <p:extLst>
+      <p:ext uri="{BB962C8B-B14F-4D97-AF65-F5344CB8AC3E}">
+        <p14:creationId xmlns:p14="http://schemas.microsoft.com/office/powerpoint/2010/main" val="2667446283"/>
+      </p:ext>
+    </p:extLst>
+  </p:cSld>
+  <p:clrMapOvr>
+    <a:masterClrMapping/>
+  </p:clrMapOvr>
+</p:sld>
+</file>
+
+<file path=ppt/slides/slide13.xml><?xml version="1.0" encoding="utf-8"?>
+<p:sld xmlns:a="http://schemas.openxmlformats.org/drawingml/2006/main" xmlns:r="http://schemas.openxmlformats.org/officeDocument/2006/relationships" xmlns:p="http://schemas.openxmlformats.org/presentationml/2006/main">
+  <p:cSld>
+    <p:spTree>
+      <p:nvGrpSpPr>
+        <p:cNvPr id="1" name=""/>
+        <p:cNvGrpSpPr/>
+        <p:nvPr/>
+      </p:nvGrpSpPr>
+      <p:grpSpPr>
+        <a:xfrm>
+          <a:off x="0" y="0"/>
+          <a:ext cx="0" cy="0"/>
+          <a:chOff x="0" y="0"/>
+          <a:chExt cx="0" cy="0"/>
+        </a:xfrm>
+      </p:grpSpPr>
+      <p:pic>
+        <p:nvPicPr>
+          <p:cNvPr id="5" name="Kép 4" descr="Csészét, kávét, ételt és italt ábrázoló kép&#10;&#10;Automatikusan létrehozott leírás">
+            <a:extLst>
+              <a:ext uri="{FF2B5EF4-FFF2-40B4-BE49-F238E27FC236}">
+                <a16:creationId xmlns:a16="http://schemas.microsoft.com/office/drawing/2014/main" id="{F49C3312-4B73-FD08-B17F-FAD5EB9AAC98}"/>
+              </a:ext>
+            </a:extLst>
+          </p:cNvPr>
+          <p:cNvPicPr>
+            <a:picLocks noChangeAspect="1"/>
+          </p:cNvPicPr>
+          <p:nvPr/>
+        </p:nvPicPr>
+        <p:blipFill rotWithShape="1">
+          <a:blip r:embed="rId2">
+            <a:alphaModFix amt="35000"/>
+            <a:extLst>
+              <a:ext uri="{28A0092B-C50C-407E-A947-70E740481C1C}">
+                <a14:useLocalDpi xmlns:a14="http://schemas.microsoft.com/office/drawing/2010/main" val="0"/>
+              </a:ext>
+            </a:extLst>
+          </a:blip>
+          <a:srcRect/>
+          <a:stretch/>
+        </p:blipFill>
+        <p:spPr>
+          <a:xfrm>
+            <a:off x="20" y="10"/>
+            <a:ext cx="12191980" cy="6857990"/>
+          </a:xfrm>
+          <a:prstGeom prst="rect">
+            <a:avLst/>
+          </a:prstGeom>
+        </p:spPr>
+      </p:pic>
+      <p:sp>
+        <p:nvSpPr>
+          <p:cNvPr id="2" name="Cím 1">
+            <a:extLst>
+              <a:ext uri="{FF2B5EF4-FFF2-40B4-BE49-F238E27FC236}">
+                <a16:creationId xmlns:a16="http://schemas.microsoft.com/office/drawing/2014/main" id="{8648C1BD-7F3C-EF06-2182-AF750085AD0E}"/>
+              </a:ext>
+            </a:extLst>
+          </p:cNvPr>
+          <p:cNvSpPr>
+            <a:spLocks noGrp="1"/>
+          </p:cNvSpPr>
+          <p:nvPr>
+            <p:ph type="title"/>
+          </p:nvPr>
+        </p:nvSpPr>
+        <p:spPr/>
+        <p:txBody>
+          <a:bodyPr/>
+          <a:lstStyle/>
+          <a:p>
+            <a:r>
+              <a:rPr lang="hu-HU" dirty="0"/>
+              <a:t>Alkoholos termékek leírása</a:t>
+            </a:r>
+          </a:p>
+        </p:txBody>
+      </p:sp>
+      <p:sp>
+        <p:nvSpPr>
+          <p:cNvPr id="3" name="Tartalom helye 2">
+            <a:extLst>
+              <a:ext uri="{FF2B5EF4-FFF2-40B4-BE49-F238E27FC236}">
+                <a16:creationId xmlns:a16="http://schemas.microsoft.com/office/drawing/2014/main" id="{65505E9B-87E1-6907-C7FD-A00CA2188A13}"/>
+              </a:ext>
+            </a:extLst>
+          </p:cNvPr>
+          <p:cNvSpPr>
+            <a:spLocks noGrp="1"/>
+          </p:cNvSpPr>
+          <p:nvPr>
+            <p:ph idx="1"/>
+          </p:nvPr>
+        </p:nvSpPr>
+        <p:spPr/>
+        <p:txBody>
+          <a:bodyPr>
+            <a:normAutofit/>
+          </a:bodyPr>
+          <a:lstStyle/>
+          <a:p>
+            <a:pPr marL="36900" indent="0">
+              <a:buNone/>
+            </a:pPr>
+            <a:r>
+              <a:rPr lang="hu-HU" sz="3200" dirty="0"/>
+              <a:t>Az árusított termékekhez tartozó leírások teljes egészében készen vannak.</a:t>
+            </a:r>
+          </a:p>
+          <a:p>
+            <a:pPr marL="36900" indent="0">
+              <a:buNone/>
+            </a:pPr>
+            <a:r>
+              <a:rPr lang="hu-HU" sz="3200" dirty="0"/>
+              <a:t>Adatbázis segítségével valósítottuk meg ezt a folyamatot</a:t>
+            </a:r>
+          </a:p>
+        </p:txBody>
+      </p:sp>
+      <p:sp>
+        <p:nvSpPr>
+          <p:cNvPr id="4" name="Dátum helye 3">
+            <a:extLst>
+              <a:ext uri="{FF2B5EF4-FFF2-40B4-BE49-F238E27FC236}">
+                <a16:creationId xmlns:a16="http://schemas.microsoft.com/office/drawing/2014/main" id="{8428F635-6759-F06D-295B-DB57D9754654}"/>
+              </a:ext>
+            </a:extLst>
+          </p:cNvPr>
+          <p:cNvSpPr>
+            <a:spLocks noGrp="1"/>
+          </p:cNvSpPr>
+          <p:nvPr>
+            <p:ph type="dt" sz="half" idx="10"/>
+          </p:nvPr>
+        </p:nvSpPr>
+        <p:spPr/>
+        <p:txBody>
+          <a:bodyPr/>
+          <a:lstStyle/>
+          <a:p>
+            <a:pPr rtl="0"/>
+            <a:fld id="{CB4931A8-8288-4238-AF14-026187036AFD}" type="datetime1">
+              <a:rPr lang="hu-HU" smtClean="0"/>
+              <a:t>2022. 12. 07.</a:t>
+            </a:fld>
+            <a:endParaRPr lang="en-US" dirty="0"/>
+          </a:p>
+        </p:txBody>
+      </p:sp>
+    </p:spTree>
+    <p:extLst>
+      <p:ext uri="{BB962C8B-B14F-4D97-AF65-F5344CB8AC3E}">
+        <p14:creationId xmlns:p14="http://schemas.microsoft.com/office/powerpoint/2010/main" val="259434453"/>
       </p:ext>
     </p:extLst>
   </p:cSld>
@@ -7086,10 +7534,9 @@
           <a:lstStyle/>
           <a:p>
             <a:r>
-              <a:rPr lang="hu-HU" sz="6000" b="1" dirty="0" smtClean="0"/>
+              <a:rPr lang="hu-HU" sz="6000" b="1" dirty="0"/>
               <a:t>Célja</a:t>
             </a:r>
-            <a:endParaRPr lang="hu-HU" sz="6000" b="1" dirty="0"/>
           </a:p>
         </p:txBody>
       </p:sp>
@@ -7114,7 +7561,7 @@
               <a:buNone/>
             </a:pPr>
             <a:r>
-              <a:rPr lang="hu-HU" sz="4000" dirty="0" smtClean="0"/>
+              <a:rPr lang="hu-HU" sz="4000" dirty="0"/>
               <a:t>A megrendelők igényeit, életüket, rendelésüket le egyszerűsíteni  és kényelmesebbé tenni.</a:t>
             </a:r>
           </a:p>
@@ -7123,7 +7570,7 @@
               <a:buNone/>
             </a:pPr>
             <a:r>
-              <a:rPr lang="hu-HU" sz="4000" dirty="0" smtClean="0"/>
+              <a:rPr lang="hu-HU" sz="4000" dirty="0"/>
               <a:t>Prémium, külföldi termékeket eljuttathatunk a vásárlók felé </a:t>
             </a:r>
           </a:p>
@@ -7131,13 +7578,13 @@
             <a:pPr marL="36900" indent="0">
               <a:buNone/>
             </a:pPr>
-            <a:endParaRPr lang="hu-HU" sz="4000" dirty="0" smtClean="0"/>
+            <a:endParaRPr lang="hu-HU" sz="4000" dirty="0"/>
           </a:p>
           <a:p>
             <a:pPr marL="36900" indent="0">
               <a:buNone/>
             </a:pPr>
-            <a:endParaRPr lang="hu-HU" sz="4000" dirty="0" smtClean="0"/>
+            <a:endParaRPr lang="hu-HU" sz="4000" dirty="0"/>
           </a:p>
           <a:p>
             <a:pPr marL="36900" indent="0">
@@ -7182,13 +7629,6 @@
   <p:clrMapOvr>
     <a:masterClrMapping/>
   </p:clrMapOvr>
-  <p:timing>
-    <p:tnLst>
-      <p:par>
-        <p:cTn id="1" dur="indefinite" restart="never" nodeType="tmRoot"/>
-      </p:par>
-    </p:tnLst>
-  </p:timing>
 </p:sld>
 </file>
 
@@ -7261,10 +7701,9 @@
           <a:lstStyle/>
           <a:p>
             <a:r>
-              <a:rPr lang="hu-HU" b="1" dirty="0" smtClean="0"/>
+              <a:rPr lang="hu-HU" b="1" dirty="0"/>
               <a:t>Használt programnyelvek</a:t>
             </a:r>
-            <a:endParaRPr lang="hu-HU" b="1" dirty="0"/>
           </a:p>
         </p:txBody>
       </p:sp>
@@ -7289,7 +7728,7 @@
               <a:buNone/>
             </a:pPr>
             <a:r>
-              <a:rPr lang="hu-HU" sz="3200" dirty="0" smtClean="0"/>
+              <a:rPr lang="hu-HU" sz="3200" dirty="0"/>
               <a:t>HTML	</a:t>
             </a:r>
           </a:p>
@@ -7298,7 +7737,7 @@
               <a:buNone/>
             </a:pPr>
             <a:r>
-              <a:rPr lang="hu-HU" sz="3200" dirty="0" smtClean="0"/>
+              <a:rPr lang="hu-HU" sz="3200" dirty="0"/>
               <a:t>CSS</a:t>
             </a:r>
           </a:p>
@@ -7307,7 +7746,7 @@
               <a:buNone/>
             </a:pPr>
             <a:r>
-              <a:rPr lang="hu-HU" sz="3200" dirty="0" smtClean="0"/>
+              <a:rPr lang="hu-HU" sz="3200" dirty="0"/>
               <a:t>SQL</a:t>
             </a:r>
           </a:p>
@@ -7316,7 +7755,7 @@
               <a:buNone/>
             </a:pPr>
             <a:r>
-              <a:rPr lang="hu-HU" sz="3200" dirty="0" smtClean="0"/>
+              <a:rPr lang="hu-HU" sz="3200" dirty="0"/>
               <a:t>PHP</a:t>
             </a:r>
           </a:p>
@@ -7325,7 +7764,7 @@
               <a:buNone/>
             </a:pPr>
             <a:r>
-              <a:rPr lang="hu-HU" sz="3200" dirty="0" smtClean="0"/>
+              <a:rPr lang="hu-HU" sz="3200" dirty="0"/>
               <a:t>JavaScript</a:t>
             </a:r>
           </a:p>
@@ -7333,7 +7772,7 @@
             <a:pPr marL="36900" indent="0">
               <a:buNone/>
             </a:pPr>
-            <a:endParaRPr lang="hu-HU" sz="3200" dirty="0" smtClean="0"/>
+            <a:endParaRPr lang="hu-HU" sz="3200" dirty="0"/>
           </a:p>
         </p:txBody>
       </p:sp>
@@ -7355,7 +7794,7 @@
             <a:pPr rtl="0"/>
             <a:fld id="{CB4931A8-8288-4238-AF14-026187036AFD}" type="datetime1">
               <a:rPr lang="hu-HU" smtClean="0"/>
-              <a:t>2022. 10. 25.</a:t>
+              <a:t>2022. 12. 07.</a:t>
             </a:fld>
             <a:endParaRPr lang="en-US" dirty="0"/>
           </a:p>
@@ -7443,10 +7882,9 @@
           <a:lstStyle/>
           <a:p>
             <a:r>
-              <a:rPr lang="hu-HU" b="1" dirty="0" smtClean="0"/>
+              <a:rPr lang="hu-HU" b="1" dirty="0"/>
               <a:t>Az oldal sajátosságai</a:t>
             </a:r>
-            <a:endParaRPr lang="hu-HU" b="1" dirty="0"/>
           </a:p>
         </p:txBody>
       </p:sp>
@@ -7471,7 +7909,7 @@
               <a:buNone/>
             </a:pPr>
             <a:r>
-              <a:rPr lang="hu-HU" sz="4000" dirty="0" smtClean="0"/>
+              <a:rPr lang="hu-HU" sz="4000" dirty="0"/>
               <a:t>Egyedi képek </a:t>
             </a:r>
           </a:p>
@@ -7480,7 +7918,7 @@
               <a:buNone/>
             </a:pPr>
             <a:r>
-              <a:rPr lang="hu-HU" sz="4000" dirty="0" smtClean="0"/>
+              <a:rPr lang="hu-HU" sz="4000" dirty="0"/>
               <a:t>Életkor ellenőrzése </a:t>
             </a:r>
           </a:p>
@@ -7612,13 +8050,6 @@
   <p:clrMapOvr>
     <a:masterClrMapping/>
   </p:clrMapOvr>
-  <p:timing>
-    <p:tnLst>
-      <p:par>
-        <p:cTn id="1" dur="indefinite" restart="never" nodeType="tmRoot"/>
-      </p:par>
-    </p:tnLst>
-  </p:timing>
 </p:sld>
 </file>
 
@@ -7693,10 +8124,9 @@
           <a:lstStyle/>
           <a:p>
             <a:r>
-              <a:rPr lang="hu-HU" b="1" dirty="0" smtClean="0"/>
+              <a:rPr lang="hu-HU" b="1" dirty="0"/>
               <a:t>Megvalósítás</a:t>
             </a:r>
-            <a:endParaRPr lang="hu-HU" b="1" dirty="0"/>
           </a:p>
         </p:txBody>
       </p:sp>
@@ -7721,7 +8151,7 @@
               <a:buNone/>
             </a:pPr>
             <a:r>
-              <a:rPr lang="hu-HU" sz="3200" dirty="0" smtClean="0"/>
+              <a:rPr lang="hu-HU" sz="3200" dirty="0"/>
               <a:t>A fő HTML oldal elkészítését nem csak fejben, hanem vizuálisan is megalkottuk.</a:t>
             </a:r>
           </a:p>
@@ -7730,15 +8160,15 @@
               <a:buNone/>
             </a:pPr>
             <a:r>
-              <a:rPr lang="hu-HU" sz="3200" dirty="0" smtClean="0"/>
+              <a:rPr lang="hu-HU" sz="3200" dirty="0"/>
               <a:t>A színek, képek még csak helykitöltőként (</a:t>
             </a:r>
             <a:r>
-              <a:rPr lang="hu-HU" sz="3200" dirty="0" err="1" smtClean="0"/>
+              <a:rPr lang="hu-HU" sz="3200" dirty="0" err="1"/>
               <a:t>placeholder</a:t>
             </a:r>
             <a:r>
-              <a:rPr lang="hu-HU" sz="3200" dirty="0" smtClean="0"/>
+              <a:rPr lang="hu-HU" sz="3200" dirty="0"/>
               <a:t>) vannak jelen.</a:t>
             </a:r>
           </a:p>
@@ -7746,7 +8176,7 @@
             <a:pPr marL="36900" indent="0">
               <a:buNone/>
             </a:pPr>
-            <a:endParaRPr lang="hu-HU" sz="3200" dirty="0" smtClean="0"/>
+            <a:endParaRPr lang="hu-HU" sz="3200" dirty="0"/>
           </a:p>
         </p:txBody>
       </p:sp>
@@ -7768,7 +8198,7 @@
             <a:pPr rtl="0"/>
             <a:fld id="{CB4931A8-8288-4238-AF14-026187036AFD}" type="datetime1">
               <a:rPr lang="hu-HU" smtClean="0"/>
-              <a:t>2022. 10. 25.</a:t>
+              <a:t>2022. 12. 07.</a:t>
             </a:fld>
             <a:endParaRPr lang="en-US" dirty="0"/>
           </a:p>
@@ -7856,10 +8286,9 @@
           <a:lstStyle/>
           <a:p>
             <a:r>
-              <a:rPr lang="hu-HU" dirty="0" smtClean="0"/>
+              <a:rPr lang="hu-HU" dirty="0"/>
               <a:t>Navigációs mező </a:t>
             </a:r>
-            <a:endParaRPr lang="hu-HU" dirty="0"/>
           </a:p>
         </p:txBody>
       </p:sp>
@@ -7884,20 +8313,18 @@
               <a:buNone/>
             </a:pPr>
             <a:r>
-              <a:rPr lang="hu-HU" sz="3200" dirty="0" smtClean="0"/>
+              <a:rPr lang="hu-HU" sz="3200" dirty="0"/>
               <a:t>A kialakítását próbáltuk úgy alakítani, hogy a vásárlók részéről minél átláthatóbb, könnyebb használatot biztosítson.</a:t>
             </a:r>
-            <a:endParaRPr lang="hu-HU" sz="3200" dirty="0"/>
           </a:p>
           <a:p>
             <a:pPr marL="36900" indent="0">
               <a:buNone/>
             </a:pPr>
             <a:r>
-              <a:rPr lang="hu-HU" sz="3200" dirty="0" smtClean="0"/>
+              <a:rPr lang="hu-HU" sz="3200" dirty="0"/>
               <a:t>Design-ja minimalista, de annál inkább felhasználó centrikusabb.</a:t>
             </a:r>
-            <a:endParaRPr lang="hu-HU" sz="3200" dirty="0"/>
           </a:p>
         </p:txBody>
       </p:sp>
@@ -7919,7 +8346,7 @@
             <a:pPr rtl="0"/>
             <a:fld id="{CB4931A8-8288-4238-AF14-026187036AFD}" type="datetime1">
               <a:rPr lang="hu-HU" smtClean="0"/>
-              <a:t>2022. 10. 25.</a:t>
+              <a:t>2022. 12. 07.</a:t>
             </a:fld>
             <a:endParaRPr lang="en-US" dirty="0"/>
           </a:p>
@@ -8007,10 +8434,9 @@
           <a:lstStyle/>
           <a:p>
             <a:r>
-              <a:rPr lang="hu-HU" dirty="0" smtClean="0"/>
+              <a:rPr lang="hu-HU" dirty="0"/>
               <a:t>Logó elkészítése</a:t>
             </a:r>
-            <a:endParaRPr lang="hu-HU" dirty="0"/>
           </a:p>
         </p:txBody>
       </p:sp>
@@ -8035,7 +8461,7 @@
               <a:buNone/>
             </a:pPr>
             <a:r>
-              <a:rPr lang="hu-HU" sz="3200" dirty="0" smtClean="0"/>
+              <a:rPr lang="hu-HU" sz="3200" dirty="0"/>
               <a:t>A Keresztapa című filmsorozatból merítettünk ötletet a logó elkészítéséhez.</a:t>
             </a:r>
           </a:p>
@@ -8044,7 +8470,7 @@
               <a:buNone/>
             </a:pPr>
             <a:r>
-              <a:rPr lang="hu-HU" sz="3200" dirty="0" smtClean="0"/>
+              <a:rPr lang="hu-HU" sz="3200" dirty="0"/>
               <a:t>Az oldalon való színhasználat, a logó színvilágához próbáltuk igazítani, még csak félkész állapotban lehet megtekinteni.</a:t>
             </a:r>
           </a:p>
@@ -8068,7 +8494,7 @@
             <a:pPr rtl="0"/>
             <a:fld id="{CB4931A8-8288-4238-AF14-026187036AFD}" type="datetime1">
               <a:rPr lang="hu-HU" smtClean="0"/>
-              <a:t>2022. 10. 25.</a:t>
+              <a:t>2022. 12. 07.</a:t>
             </a:fld>
             <a:endParaRPr lang="en-US" dirty="0"/>
           </a:p>
@@ -8156,10 +8582,9 @@
           <a:lstStyle/>
           <a:p>
             <a:r>
-              <a:rPr lang="hu-HU" dirty="0" smtClean="0"/>
+              <a:rPr lang="hu-HU" dirty="0"/>
               <a:t>Adatbázis</a:t>
             </a:r>
-            <a:endParaRPr lang="hu-HU" dirty="0"/>
           </a:p>
         </p:txBody>
       </p:sp>
@@ -8185,11 +8610,7 @@
             </a:pPr>
             <a:r>
               <a:rPr lang="hu-HU" sz="3200" dirty="0"/>
-              <a:t>Az adatbázis feltöltése folyamatban van és frissül megújuló termékeinkkel</a:t>
-            </a:r>
-            <a:r>
-              <a:rPr lang="hu-HU" sz="3200" dirty="0" smtClean="0"/>
-              <a:t>.</a:t>
+              <a:t>Az adatbázis feltöltése folyamatban van és frissül megújuló termékeinkkel.</a:t>
             </a:r>
           </a:p>
           <a:p>
@@ -8197,15 +8618,9 @@
               <a:buNone/>
             </a:pPr>
             <a:r>
-              <a:rPr lang="hu-HU" sz="3200" dirty="0" smtClean="0"/>
+              <a:rPr lang="hu-HU" sz="3200" dirty="0"/>
               <a:t>Minden termékcsalád külön-külön, kategorizálva találhatóak meg.</a:t>
             </a:r>
-          </a:p>
-          <a:p>
-            <a:pPr marL="36900" indent="0">
-              <a:buNone/>
-            </a:pPr>
-            <a:endParaRPr lang="hu-HU" sz="3200" dirty="0" smtClean="0"/>
           </a:p>
           <a:p>
             <a:pPr marL="36900" indent="0">
@@ -8217,7 +8632,13 @@
             <a:pPr marL="36900" indent="0">
               <a:buNone/>
             </a:pPr>
-            <a:endParaRPr lang="hu-HU" sz="3200" dirty="0" smtClean="0"/>
+            <a:endParaRPr lang="hu-HU" sz="3200" dirty="0"/>
+          </a:p>
+          <a:p>
+            <a:pPr marL="36900" indent="0">
+              <a:buNone/>
+            </a:pPr>
+            <a:endParaRPr lang="hu-HU" sz="3200" dirty="0"/>
           </a:p>
         </p:txBody>
       </p:sp>
